--- a/readinggroup-xlnet-aditya-9mar2020.pptx
+++ b/readinggroup-xlnet-aditya-9mar2020.pptx
@@ -149,6 +149,11 @@
       </a:defRPr>
     </a:lvl9pPr>
   </p:defaultTextStyle>
+  <p:extLst>
+    <p:ext uri="{EFAFB233-063F-42B5-8137-9DF3F51BA10A}">
+      <p15:sldGuideLst xmlns:p15="http://schemas.microsoft.com/office/powerpoint/2012/main"/>
+    </p:ext>
+  </p:extLst>
 </p:presentation>
 </file>
 
@@ -311,7 +316,7 @@
           <a:p>
             <a:fld id="{D7564C09-044D-5C45-A213-DBDE7F68C0A3}" type="datetimeFigureOut">
               <a:rPr lang="en-US" smtClean="0"/>
-              <a:t>2/24/20</a:t>
+              <a:t>2/25/20</a:t>
             </a:fld>
             <a:endParaRPr lang="en-US"/>
           </a:p>
@@ -509,7 +514,7 @@
           <a:p>
             <a:fld id="{D7564C09-044D-5C45-A213-DBDE7F68C0A3}" type="datetimeFigureOut">
               <a:rPr lang="en-US" smtClean="0"/>
-              <a:t>2/24/20</a:t>
+              <a:t>2/25/20</a:t>
             </a:fld>
             <a:endParaRPr lang="en-US"/>
           </a:p>
@@ -717,7 +722,7 @@
           <a:p>
             <a:fld id="{D7564C09-044D-5C45-A213-DBDE7F68C0A3}" type="datetimeFigureOut">
               <a:rPr lang="en-US" smtClean="0"/>
-              <a:t>2/24/20</a:t>
+              <a:t>2/25/20</a:t>
             </a:fld>
             <a:endParaRPr lang="en-US"/>
           </a:p>
@@ -915,7 +920,7 @@
           <a:p>
             <a:fld id="{D7564C09-044D-5C45-A213-DBDE7F68C0A3}" type="datetimeFigureOut">
               <a:rPr lang="en-US" smtClean="0"/>
-              <a:t>2/24/20</a:t>
+              <a:t>2/25/20</a:t>
             </a:fld>
             <a:endParaRPr lang="en-US"/>
           </a:p>
@@ -1190,7 +1195,7 @@
           <a:p>
             <a:fld id="{D7564C09-044D-5C45-A213-DBDE7F68C0A3}" type="datetimeFigureOut">
               <a:rPr lang="en-US" smtClean="0"/>
-              <a:t>2/24/20</a:t>
+              <a:t>2/25/20</a:t>
             </a:fld>
             <a:endParaRPr lang="en-US"/>
           </a:p>
@@ -1455,7 +1460,7 @@
           <a:p>
             <a:fld id="{D7564C09-044D-5C45-A213-DBDE7F68C0A3}" type="datetimeFigureOut">
               <a:rPr lang="en-US" smtClean="0"/>
-              <a:t>2/24/20</a:t>
+              <a:t>2/25/20</a:t>
             </a:fld>
             <a:endParaRPr lang="en-US"/>
           </a:p>
@@ -1867,7 +1872,7 @@
           <a:p>
             <a:fld id="{D7564C09-044D-5C45-A213-DBDE7F68C0A3}" type="datetimeFigureOut">
               <a:rPr lang="en-US" smtClean="0"/>
-              <a:t>2/24/20</a:t>
+              <a:t>2/25/20</a:t>
             </a:fld>
             <a:endParaRPr lang="en-US"/>
           </a:p>
@@ -2008,7 +2013,7 @@
           <a:p>
             <a:fld id="{D7564C09-044D-5C45-A213-DBDE7F68C0A3}" type="datetimeFigureOut">
               <a:rPr lang="en-US" smtClean="0"/>
-              <a:t>2/24/20</a:t>
+              <a:t>2/25/20</a:t>
             </a:fld>
             <a:endParaRPr lang="en-US"/>
           </a:p>
@@ -2121,7 +2126,7 @@
           <a:p>
             <a:fld id="{D7564C09-044D-5C45-A213-DBDE7F68C0A3}" type="datetimeFigureOut">
               <a:rPr lang="en-US" smtClean="0"/>
-              <a:t>2/24/20</a:t>
+              <a:t>2/25/20</a:t>
             </a:fld>
             <a:endParaRPr lang="en-US"/>
           </a:p>
@@ -2432,7 +2437,7 @@
           <a:p>
             <a:fld id="{D7564C09-044D-5C45-A213-DBDE7F68C0A3}" type="datetimeFigureOut">
               <a:rPr lang="en-US" smtClean="0"/>
-              <a:t>2/24/20</a:t>
+              <a:t>2/25/20</a:t>
             </a:fld>
             <a:endParaRPr lang="en-US"/>
           </a:p>
@@ -2720,7 +2725,7 @@
           <a:p>
             <a:fld id="{D7564C09-044D-5C45-A213-DBDE7F68C0A3}" type="datetimeFigureOut">
               <a:rPr lang="en-US" smtClean="0"/>
-              <a:t>2/24/20</a:t>
+              <a:t>2/25/20</a:t>
             </a:fld>
             <a:endParaRPr lang="en-US"/>
           </a:p>
@@ -2961,7 +2966,7 @@
           <a:p>
             <a:fld id="{D7564C09-044D-5C45-A213-DBDE7F68C0A3}" type="datetimeFigureOut">
               <a:rPr lang="en-US" smtClean="0"/>
-              <a:t>2/24/20</a:t>
+              <a:t>2/25/20</a:t>
             </a:fld>
             <a:endParaRPr lang="en-US"/>
           </a:p>
@@ -6399,8 +6404,8 @@
           </a:p>
         </p:txBody>
       </p:sp>
-      <mc:AlternateContent xmlns:mc="http://schemas.openxmlformats.org/markup-compatibility/2006">
-        <mc:Choice xmlns:a14="http://schemas.microsoft.com/office/drawing/2010/main" Requires="a14">
+      <mc:AlternateContent xmlns:mc="http://schemas.openxmlformats.org/markup-compatibility/2006" xmlns:a14="http://schemas.microsoft.com/office/drawing/2010/main">
+        <mc:Choice Requires="a14">
           <p:sp>
             <p:nvSpPr>
               <p:cNvPr id="3" name="Content Placeholder 2">
@@ -6726,7 +6731,7 @@
             </p:txBody>
           </p:sp>
         </mc:Choice>
-        <mc:Fallback>
+        <mc:Fallback xmlns="">
           <p:sp>
             <p:nvSpPr>
               <p:cNvPr id="3" name="Content Placeholder 2">
@@ -6854,8 +6859,8 @@
           </a:p>
         </p:txBody>
       </p:sp>
-      <mc:AlternateContent xmlns:mc="http://schemas.openxmlformats.org/markup-compatibility/2006">
-        <mc:Choice xmlns:a14="http://schemas.microsoft.com/office/drawing/2010/main" Requires="a14">
+      <mc:AlternateContent xmlns:mc="http://schemas.openxmlformats.org/markup-compatibility/2006" xmlns:a14="http://schemas.microsoft.com/office/drawing/2010/main">
+        <mc:Choice Requires="a14">
           <p:sp>
             <p:nvSpPr>
               <p:cNvPr id="3" name="Content Placeholder 2">
@@ -7181,7 +7186,7 @@
             </p:txBody>
           </p:sp>
         </mc:Choice>
-        <mc:Fallback>
+        <mc:Fallback xmlns="">
           <p:sp>
             <p:nvSpPr>
               <p:cNvPr id="3" name="Content Placeholder 2">
@@ -10355,8 +10360,8 @@
           </a:p>
         </p:txBody>
       </p:sp>
-      <mc:AlternateContent xmlns:mc="http://schemas.openxmlformats.org/markup-compatibility/2006">
-        <mc:Choice xmlns:a14="http://schemas.microsoft.com/office/drawing/2010/main" Requires="a14">
+      <mc:AlternateContent xmlns:mc="http://schemas.openxmlformats.org/markup-compatibility/2006" xmlns:a14="http://schemas.microsoft.com/office/drawing/2010/main">
+        <mc:Choice Requires="a14">
           <p:sp>
             <p:nvSpPr>
               <p:cNvPr id="3" name="Content Placeholder 2">
@@ -10750,7 +10755,7 @@
             </p:txBody>
           </p:sp>
         </mc:Choice>
-        <mc:Fallback>
+        <mc:Fallback xmlns="">
           <p:sp>
             <p:nvSpPr>
               <p:cNvPr id="3" name="Content Placeholder 2">
@@ -11632,6 +11637,57 @@
           </a:p>
         </p:txBody>
       </p:sp>
+      <p:sp>
+        <p:nvSpPr>
+          <p:cNvPr id="7" name="Rectangle 6">
+            <a:extLst>
+              <a:ext uri="{FF2B5EF4-FFF2-40B4-BE49-F238E27FC236}">
+                <a16:creationId xmlns:a16="http://schemas.microsoft.com/office/drawing/2014/main" id="{7743ECA2-C790-8C4E-8C69-F84C70894C2E}"/>
+              </a:ext>
+            </a:extLst>
+          </p:cNvPr>
+          <p:cNvSpPr/>
+          <p:nvPr/>
+        </p:nvSpPr>
+        <p:spPr>
+          <a:xfrm>
+            <a:off x="7502611" y="5687090"/>
+            <a:ext cx="4038599" cy="707886"/>
+          </a:xfrm>
+          <a:prstGeom prst="rect">
+            <a:avLst/>
+          </a:prstGeom>
+        </p:spPr>
+        <p:txBody>
+          <a:bodyPr wrap="square">
+            <a:spAutoFit/>
+          </a:bodyPr>
+          <a:lstStyle/>
+          <a:p>
+            <a:r>
+              <a:rPr lang="en-AU" sz="2000" b="1" i="0" dirty="0">
+                <a:solidFill>
+                  <a:srgbClr val="404041"/>
+                </a:solidFill>
+                <a:effectLst/>
+                <a:latin typeface="MJXc-TeX-math-I"/>
+              </a:rPr>
+              <a:t>In case of autoregressive LM, the order is </a:t>
+            </a:r>
+            <a:r>
+              <a:rPr lang="en-AU" sz="2000" i="0" dirty="0">
+                <a:solidFill>
+                  <a:srgbClr val="404041"/>
+                </a:solidFill>
+                <a:effectLst/>
+                <a:latin typeface="MJXc-TeX-math-I"/>
+              </a:rPr>
+              <a:t>: 1, 2, 3, 4</a:t>
+            </a:r>
+            <a:endParaRPr lang="en-US" sz="2000" dirty="0"/>
+          </a:p>
+        </p:txBody>
+      </p:sp>
     </p:spTree>
     <p:extLst>
       <p:ext uri="{BB962C8B-B14F-4D97-AF65-F5344CB8AC3E}">
@@ -13242,8 +13298,8 @@
           </a:p>
         </p:txBody>
       </p:sp>
-      <mc:AlternateContent xmlns:mc="http://schemas.openxmlformats.org/markup-compatibility/2006">
-        <mc:Choice xmlns:a14="http://schemas.microsoft.com/office/drawing/2010/main" Requires="a14">
+      <mc:AlternateContent xmlns:mc="http://schemas.openxmlformats.org/markup-compatibility/2006" xmlns:a14="http://schemas.microsoft.com/office/drawing/2010/main">
+        <mc:Choice Requires="a14">
           <p:sp>
             <p:nvSpPr>
               <p:cNvPr id="3" name="Content Placeholder 2">
@@ -13637,7 +13693,7 @@
             </p:txBody>
           </p:sp>
         </mc:Choice>
-        <mc:Fallback>
+        <mc:Fallback xmlns="">
           <p:sp>
             <p:nvSpPr>
               <p:cNvPr id="3" name="Content Placeholder 2">
@@ -15854,8 +15910,8 @@
           </a:p>
         </p:txBody>
       </p:sp>
-      <mc:AlternateContent xmlns:mc="http://schemas.openxmlformats.org/markup-compatibility/2006">
-        <mc:Choice xmlns:a14="http://schemas.microsoft.com/office/drawing/2010/main" Requires="a14">
+      <mc:AlternateContent xmlns:mc="http://schemas.openxmlformats.org/markup-compatibility/2006" xmlns:a14="http://schemas.microsoft.com/office/drawing/2010/main">
+        <mc:Choice Requires="a14">
           <p:sp>
             <p:nvSpPr>
               <p:cNvPr id="3" name="Content Placeholder 2">
@@ -16249,7 +16305,7 @@
             </p:txBody>
           </p:sp>
         </mc:Choice>
-        <mc:Fallback>
+        <mc:Fallback xmlns="">
           <p:sp>
             <p:nvSpPr>
               <p:cNvPr id="3" name="Content Placeholder 2">
